--- a/Pytorch without the neural networks.pptx
+++ b/Pytorch without the neural networks.pptx
@@ -3380,7 +3380,11 @@
             </a:r>
             <a:r>
               <a:rPr lang="en-US" dirty="0"/>
-              <a:t> without the deep learning (shallow learning?)</a:t>
+              <a:t> without the </a:t>
+            </a:r>
+            <a:r>
+              <a:rPr lang="en-US"/>
+              <a:t>deep learning</a:t>
             </a:r>
             <a:endParaRPr lang="en-NL" dirty="0"/>
           </a:p>
